--- a/Blatt-09/Präsentation Aufgabe 09.pptx
+++ b/Blatt-09/Präsentation Aufgabe 09.pptx
@@ -3662,8 +3662,8 @@
           </a:p>
         </p:txBody>
       </p:sp>
-      <mc:AlternateContent xmlns:mc="http://schemas.openxmlformats.org/markup-compatibility/2006">
-        <mc:Choice xmlns:a14="http://schemas.microsoft.com/office/drawing/2010/main" Requires="a14">
+      <mc:AlternateContent xmlns:mc="http://schemas.openxmlformats.org/markup-compatibility/2006" xmlns:a14="http://schemas.microsoft.com/office/drawing/2010/main">
+        <mc:Choice Requires="a14">
           <p:sp>
             <p:nvSpPr>
               <p:cNvPr id="7" name="Untertitel 2"/>
@@ -4234,7 +4234,7 @@
             </p:txBody>
           </p:sp>
         </mc:Choice>
-        <mc:Fallback>
+        <mc:Fallback xmlns="">
           <p:sp>
             <p:nvSpPr>
               <p:cNvPr id="7" name="Untertitel 2"/>
@@ -4272,6 +4272,153 @@
           </p:sp>
         </mc:Fallback>
       </mc:AlternateContent>
+      <p:sp>
+        <p:nvSpPr>
+          <p:cNvPr id="6" name="Textfeld 5"/>
+          <p:cNvSpPr txBox="1"/>
+          <p:nvPr/>
+        </p:nvSpPr>
+        <p:spPr>
+          <a:xfrm>
+            <a:off x="8059782" y="1867989"/>
+            <a:ext cx="3814355" cy="1015663"/>
+          </a:xfrm>
+          <a:prstGeom prst="rect">
+            <a:avLst/>
+          </a:prstGeom>
+          <a:noFill/>
+        </p:spPr>
+        <p:txBody>
+          <a:bodyPr wrap="square" rtlCol="0">
+            <a:spAutoFit/>
+          </a:bodyPr>
+          <a:lstStyle/>
+          <a:p>
+            <a:pPr lvl="1"/>
+            <a:r>
+              <a:rPr lang="de-DE" sz="1400" dirty="0" smtClean="0">
+                <a:solidFill>
+                  <a:srgbClr val="C00000"/>
+                </a:solidFill>
+              </a:rPr>
+              <a:t>-  Nordlicht </a:t>
+            </a:r>
+            <a:r>
+              <a:rPr lang="de-DE" sz="1400" dirty="0">
+                <a:solidFill>
+                  <a:srgbClr val="C00000"/>
+                </a:solidFill>
+              </a:rPr>
+              <a:t>(nl): </a:t>
+            </a:r>
+            <a:r>
+              <a:rPr lang="de-DE" sz="1400" dirty="0" smtClean="0">
+                <a:solidFill>
+                  <a:srgbClr val="C00000"/>
+                </a:solidFill>
+              </a:rPr>
+              <a:t>  Astra </a:t>
+            </a:r>
+            <a:r>
+              <a:rPr lang="de-DE" sz="1400" dirty="0">
+                <a:solidFill>
+                  <a:srgbClr val="C00000"/>
+                </a:solidFill>
+              </a:rPr>
+              <a:t>&gt; Becks &gt; Carlsberg</a:t>
+            </a:r>
+          </a:p>
+          <a:p>
+            <a:pPr lvl="1"/>
+            <a:r>
+              <a:rPr lang="de-DE" sz="1400" dirty="0" smtClean="0">
+                <a:solidFill>
+                  <a:schemeClr val="accent5">
+                    <a:lumMod val="75000"/>
+                  </a:schemeClr>
+                </a:solidFill>
+              </a:rPr>
+              <a:t>-  Hanseat </a:t>
+            </a:r>
+            <a:r>
+              <a:rPr lang="de-DE" sz="1400" dirty="0">
+                <a:solidFill>
+                  <a:schemeClr val="accent5">
+                    <a:lumMod val="75000"/>
+                  </a:schemeClr>
+                </a:solidFill>
+              </a:rPr>
+              <a:t>(ha): </a:t>
+            </a:r>
+            <a:r>
+              <a:rPr lang="de-DE" sz="1400" dirty="0" smtClean="0">
+                <a:solidFill>
+                  <a:schemeClr val="accent5">
+                    <a:lumMod val="75000"/>
+                  </a:schemeClr>
+                </a:solidFill>
+              </a:rPr>
+              <a:t>   Becks </a:t>
+            </a:r>
+            <a:r>
+              <a:rPr lang="de-DE" sz="1400" dirty="0">
+                <a:solidFill>
+                  <a:schemeClr val="accent5">
+                    <a:lumMod val="75000"/>
+                  </a:schemeClr>
+                </a:solidFill>
+              </a:rPr>
+              <a:t>&gt; Astra &gt; Carlsberg</a:t>
+            </a:r>
+          </a:p>
+          <a:p>
+            <a:pPr lvl="1"/>
+            <a:r>
+              <a:rPr lang="de-DE" sz="1400" dirty="0" smtClean="0">
+                <a:solidFill>
+                  <a:schemeClr val="accent6">
+                    <a:lumMod val="75000"/>
+                  </a:schemeClr>
+                </a:solidFill>
+              </a:rPr>
+              <a:t>-  Wikinger </a:t>
+            </a:r>
+            <a:r>
+              <a:rPr lang="de-DE" sz="1400" dirty="0">
+                <a:solidFill>
+                  <a:schemeClr val="accent6">
+                    <a:lumMod val="75000"/>
+                  </a:schemeClr>
+                </a:solidFill>
+              </a:rPr>
+              <a:t>(wi) : </a:t>
+            </a:r>
+            <a:r>
+              <a:rPr lang="de-DE" sz="1400" dirty="0" smtClean="0">
+                <a:solidFill>
+                  <a:schemeClr val="accent6">
+                    <a:lumMod val="75000"/>
+                  </a:schemeClr>
+                </a:solidFill>
+              </a:rPr>
+              <a:t> Carlsberg </a:t>
+            </a:r>
+            <a:r>
+              <a:rPr lang="de-DE" sz="1400" dirty="0">
+                <a:solidFill>
+                  <a:schemeClr val="accent6">
+                    <a:lumMod val="75000"/>
+                  </a:schemeClr>
+                </a:solidFill>
+              </a:rPr>
+              <a:t>&gt; Becks &gt; Astra</a:t>
+            </a:r>
+          </a:p>
+          <a:p>
+            <a:endParaRPr lang="de-DE" dirty="0"/>
+          </a:p>
+        </p:txBody>
+      </p:sp>
     </p:spTree>
     <p:extLst>
       <p:ext uri="{BB962C8B-B14F-4D97-AF65-F5344CB8AC3E}">
@@ -6708,8 +6855,8 @@
           </p:graphicFrame>
         </mc:Fallback>
       </mc:AlternateContent>
-      <mc:AlternateContent xmlns:mc="http://schemas.openxmlformats.org/markup-compatibility/2006" xmlns:a14="http://schemas.microsoft.com/office/drawing/2010/main">
-        <mc:Choice Requires="a14">
+      <mc:AlternateContent xmlns:mc="http://schemas.openxmlformats.org/markup-compatibility/2006">
+        <mc:Choice xmlns:a14="http://schemas.microsoft.com/office/drawing/2010/main" Requires="a14">
           <p:graphicFrame>
             <p:nvGraphicFramePr>
               <p:cNvPr id="10" name="Tabelle 9"/>
@@ -6719,7 +6866,7 @@
               <p:nvPr>
                 <p:extLst>
                   <p:ext uri="{D42A27DB-BD31-4B8C-83A1-F6EECF244321}">
-                    <p14:modId xmlns:p14="http://schemas.microsoft.com/office/powerpoint/2010/main" val="2126460420"/>
+                    <p14:modId xmlns:p14="http://schemas.microsoft.com/office/powerpoint/2010/main" val="1908044695"/>
                   </p:ext>
                 </p:extLst>
               </p:nvPr>
@@ -7144,7 +7291,14 @@
                           <a:endParaRPr lang="de-DE" dirty="0"/>
                         </a:p>
                       </a:txBody>
-                      <a:tcPr anchor="ctr"/>
+                      <a:tcPr anchor="ctr">
+                        <a:solidFill>
+                          <a:schemeClr val="accent6">
+                            <a:lumMod val="60000"/>
+                            <a:lumOff val="40000"/>
+                          </a:schemeClr>
+                        </a:solidFill>
+                      </a:tcPr>
                     </a:tc>
                     <a:extLst>
                       <a:ext uri="{0D108BD9-81ED-4DB2-BD59-A6C34878D82A}">
@@ -7381,7 +7535,7 @@
             </a:graphic>
           </p:graphicFrame>
         </mc:Choice>
-        <mc:Fallback xmlns="">
+        <mc:Fallback>
           <p:graphicFrame>
             <p:nvGraphicFramePr>
               <p:cNvPr id="10" name="Tabelle 9"/>
@@ -7391,7 +7545,7 @@
               <p:nvPr>
                 <p:extLst>
                   <p:ext uri="{D42A27DB-BD31-4B8C-83A1-F6EECF244321}">
-                    <p14:modId xmlns:p14="http://schemas.microsoft.com/office/powerpoint/2010/main" val="2126460420"/>
+                    <p14:modId xmlns:p14="http://schemas.microsoft.com/office/powerpoint/2010/main" val="1908044695"/>
                   </p:ext>
                 </p:extLst>
               </p:nvPr>
@@ -7760,8 +7914,8 @@
           </p:graphicFrame>
         </mc:Fallback>
       </mc:AlternateContent>
-      <mc:AlternateContent xmlns:mc="http://schemas.openxmlformats.org/markup-compatibility/2006" xmlns:a14="http://schemas.microsoft.com/office/drawing/2010/main">
-        <mc:Choice Requires="a14">
+      <mc:AlternateContent xmlns:mc="http://schemas.openxmlformats.org/markup-compatibility/2006">
+        <mc:Choice xmlns:a14="http://schemas.microsoft.com/office/drawing/2010/main" Requires="a14">
           <p:graphicFrame>
             <p:nvGraphicFramePr>
               <p:cNvPr id="11" name="Tabelle 10"/>
@@ -7771,7 +7925,7 @@
               <p:nvPr>
                 <p:extLst>
                   <p:ext uri="{D42A27DB-BD31-4B8C-83A1-F6EECF244321}">
-                    <p14:modId xmlns:p14="http://schemas.microsoft.com/office/powerpoint/2010/main" val="2608692496"/>
+                    <p14:modId xmlns:p14="http://schemas.microsoft.com/office/powerpoint/2010/main" val="4073578116"/>
                   </p:ext>
                 </p:extLst>
               </p:nvPr>
@@ -8185,7 +8339,14 @@
                           <a:endParaRPr lang="de-DE" dirty="0"/>
                         </a:p>
                       </a:txBody>
-                      <a:tcPr anchor="ctr"/>
+                      <a:tcPr anchor="ctr">
+                        <a:solidFill>
+                          <a:schemeClr val="accent6">
+                            <a:lumMod val="60000"/>
+                            <a:lumOff val="40000"/>
+                          </a:schemeClr>
+                        </a:solidFill>
+                      </a:tcPr>
                     </a:tc>
                     <a:tc>
                       <a:txBody>
@@ -8285,7 +8446,7 @@
             </a:graphic>
           </p:graphicFrame>
         </mc:Choice>
-        <mc:Fallback xmlns="">
+        <mc:Fallback>
           <p:graphicFrame>
             <p:nvGraphicFramePr>
               <p:cNvPr id="11" name="Tabelle 10"/>
@@ -8295,7 +8456,7 @@
               <p:nvPr>
                 <p:extLst>
                   <p:ext uri="{D42A27DB-BD31-4B8C-83A1-F6EECF244321}">
-                    <p14:modId xmlns:p14="http://schemas.microsoft.com/office/powerpoint/2010/main" val="2608692496"/>
+                    <p14:modId xmlns:p14="http://schemas.microsoft.com/office/powerpoint/2010/main" val="4073578116"/>
                   </p:ext>
                 </p:extLst>
               </p:nvPr>
@@ -10413,8 +10574,8 @@
           </a:p>
         </p:txBody>
       </p:sp>
-      <mc:AlternateContent xmlns:mc="http://schemas.openxmlformats.org/markup-compatibility/2006" xmlns:a14="http://schemas.microsoft.com/office/drawing/2010/main">
-        <mc:Choice Requires="a14">
+      <mc:AlternateContent xmlns:mc="http://schemas.openxmlformats.org/markup-compatibility/2006">
+        <mc:Choice xmlns:a14="http://schemas.microsoft.com/office/drawing/2010/main" Requires="a14">
           <p:sp>
             <p:nvSpPr>
               <p:cNvPr id="3" name="Untertitel 2"/>
@@ -10500,7 +10661,21 @@
                         <a:latin typeface="Cambria Math" panose="02040503050406030204" pitchFamily="18" charset="0"/>
                         <a:ea typeface="Cambria Math" panose="02040503050406030204" pitchFamily="18" charset="0"/>
                       </a:rPr>
-                      <m:t>=0.5, </m:t>
+                      <m:t>=0.</m:t>
+                    </m:r>
+                    <m:r>
+                      <a:rPr lang="de-DE" sz="4000" b="0" i="1" smtClean="0">
+                        <a:latin typeface="Cambria Math" panose="02040503050406030204" pitchFamily="18" charset="0"/>
+                        <a:ea typeface="Cambria Math" panose="02040503050406030204" pitchFamily="18" charset="0"/>
+                      </a:rPr>
+                      <m:t>4</m:t>
+                    </m:r>
+                    <m:r>
+                      <a:rPr lang="de-DE" sz="4000" b="0" i="1" smtClean="0">
+                        <a:latin typeface="Cambria Math" panose="02040503050406030204" pitchFamily="18" charset="0"/>
+                        <a:ea typeface="Cambria Math" panose="02040503050406030204" pitchFamily="18" charset="0"/>
+                      </a:rPr>
+                      <m:t>, </m:t>
                     </m:r>
                     <m:r>
                       <a:rPr lang="de-DE" sz="4000" b="0" i="1" smtClean="0">
@@ -10533,7 +10708,14 @@
                         <a:latin typeface="Cambria Math" panose="02040503050406030204" pitchFamily="18" charset="0"/>
                         <a:ea typeface="Cambria Math" panose="02040503050406030204" pitchFamily="18" charset="0"/>
                       </a:rPr>
-                      <m:t>=0.4</m:t>
+                      <m:t>=0.</m:t>
+                    </m:r>
+                    <m:r>
+                      <a:rPr lang="de-DE" sz="4000" b="0" i="1" smtClean="0">
+                        <a:latin typeface="Cambria Math" panose="02040503050406030204" pitchFamily="18" charset="0"/>
+                        <a:ea typeface="Cambria Math" panose="02040503050406030204" pitchFamily="18" charset="0"/>
+                      </a:rPr>
+                      <m:t>5</m:t>
                     </m:r>
                   </m:oMath>
                 </a14:m>
@@ -10668,7 +10850,7 @@
             </p:txBody>
           </p:sp>
         </mc:Choice>
-        <mc:Fallback xmlns="">
+        <mc:Fallback>
           <p:sp>
             <p:nvSpPr>
               <p:cNvPr id="3" name="Untertitel 2"/>
@@ -17242,8 +17424,8 @@
           </a:p>
         </p:txBody>
       </p:sp>
-      <mc:AlternateContent xmlns:mc="http://schemas.openxmlformats.org/markup-compatibility/2006">
-        <mc:Choice xmlns:a14="http://schemas.microsoft.com/office/drawing/2010/main" Requires="a14">
+      <mc:AlternateContent xmlns:mc="http://schemas.openxmlformats.org/markup-compatibility/2006" xmlns:a14="http://schemas.microsoft.com/office/drawing/2010/main">
+        <mc:Choice Requires="a14">
           <p:sp>
             <p:nvSpPr>
               <p:cNvPr id="3" name="Untertitel 2"/>
@@ -17702,7 +17884,7 @@
             </p:txBody>
           </p:sp>
         </mc:Choice>
-        <mc:Fallback>
+        <mc:Fallback xmlns="">
           <p:sp>
             <p:nvSpPr>
               <p:cNvPr id="3" name="Untertitel 2"/>
@@ -17740,6 +17922,153 @@
           </p:sp>
         </mc:Fallback>
       </mc:AlternateContent>
+      <p:sp>
+        <p:nvSpPr>
+          <p:cNvPr id="6" name="Textfeld 5"/>
+          <p:cNvSpPr txBox="1"/>
+          <p:nvPr/>
+        </p:nvSpPr>
+        <p:spPr>
+          <a:xfrm>
+            <a:off x="8059782" y="1867989"/>
+            <a:ext cx="3814355" cy="1015663"/>
+          </a:xfrm>
+          <a:prstGeom prst="rect">
+            <a:avLst/>
+          </a:prstGeom>
+          <a:noFill/>
+        </p:spPr>
+        <p:txBody>
+          <a:bodyPr wrap="square" rtlCol="0">
+            <a:spAutoFit/>
+          </a:bodyPr>
+          <a:lstStyle/>
+          <a:p>
+            <a:pPr lvl="1"/>
+            <a:r>
+              <a:rPr lang="de-DE" sz="1400" dirty="0" smtClean="0">
+                <a:solidFill>
+                  <a:srgbClr val="C00000"/>
+                </a:solidFill>
+              </a:rPr>
+              <a:t>-  Nordlicht </a:t>
+            </a:r>
+            <a:r>
+              <a:rPr lang="de-DE" sz="1400" dirty="0">
+                <a:solidFill>
+                  <a:srgbClr val="C00000"/>
+                </a:solidFill>
+              </a:rPr>
+              <a:t>(nl): </a:t>
+            </a:r>
+            <a:r>
+              <a:rPr lang="de-DE" sz="1400" dirty="0" smtClean="0">
+                <a:solidFill>
+                  <a:srgbClr val="C00000"/>
+                </a:solidFill>
+              </a:rPr>
+              <a:t>  Astra </a:t>
+            </a:r>
+            <a:r>
+              <a:rPr lang="de-DE" sz="1400" dirty="0">
+                <a:solidFill>
+                  <a:srgbClr val="C00000"/>
+                </a:solidFill>
+              </a:rPr>
+              <a:t>&gt; Becks &gt; Carlsberg</a:t>
+            </a:r>
+          </a:p>
+          <a:p>
+            <a:pPr lvl="1"/>
+            <a:r>
+              <a:rPr lang="de-DE" sz="1400" dirty="0" smtClean="0">
+                <a:solidFill>
+                  <a:schemeClr val="accent5">
+                    <a:lumMod val="75000"/>
+                  </a:schemeClr>
+                </a:solidFill>
+              </a:rPr>
+              <a:t>-  Hanseat </a:t>
+            </a:r>
+            <a:r>
+              <a:rPr lang="de-DE" sz="1400" dirty="0">
+                <a:solidFill>
+                  <a:schemeClr val="accent5">
+                    <a:lumMod val="75000"/>
+                  </a:schemeClr>
+                </a:solidFill>
+              </a:rPr>
+              <a:t>(ha): </a:t>
+            </a:r>
+            <a:r>
+              <a:rPr lang="de-DE" sz="1400" dirty="0" smtClean="0">
+                <a:solidFill>
+                  <a:schemeClr val="accent5">
+                    <a:lumMod val="75000"/>
+                  </a:schemeClr>
+                </a:solidFill>
+              </a:rPr>
+              <a:t>   Becks </a:t>
+            </a:r>
+            <a:r>
+              <a:rPr lang="de-DE" sz="1400" dirty="0">
+                <a:solidFill>
+                  <a:schemeClr val="accent5">
+                    <a:lumMod val="75000"/>
+                  </a:schemeClr>
+                </a:solidFill>
+              </a:rPr>
+              <a:t>&gt; Astra &gt; Carlsberg</a:t>
+            </a:r>
+          </a:p>
+          <a:p>
+            <a:pPr lvl="1"/>
+            <a:r>
+              <a:rPr lang="de-DE" sz="1400" dirty="0" smtClean="0">
+                <a:solidFill>
+                  <a:schemeClr val="accent6">
+                    <a:lumMod val="75000"/>
+                  </a:schemeClr>
+                </a:solidFill>
+              </a:rPr>
+              <a:t>-  Wikinger </a:t>
+            </a:r>
+            <a:r>
+              <a:rPr lang="de-DE" sz="1400" dirty="0">
+                <a:solidFill>
+                  <a:schemeClr val="accent6">
+                    <a:lumMod val="75000"/>
+                  </a:schemeClr>
+                </a:solidFill>
+              </a:rPr>
+              <a:t>(wi) : </a:t>
+            </a:r>
+            <a:r>
+              <a:rPr lang="de-DE" sz="1400" dirty="0" smtClean="0">
+                <a:solidFill>
+                  <a:schemeClr val="accent6">
+                    <a:lumMod val="75000"/>
+                  </a:schemeClr>
+                </a:solidFill>
+              </a:rPr>
+              <a:t> Carlsberg </a:t>
+            </a:r>
+            <a:r>
+              <a:rPr lang="de-DE" sz="1400" dirty="0">
+                <a:solidFill>
+                  <a:schemeClr val="accent6">
+                    <a:lumMod val="75000"/>
+                  </a:schemeClr>
+                </a:solidFill>
+              </a:rPr>
+              <a:t>&gt; Becks &gt; Astra</a:t>
+            </a:r>
+          </a:p>
+          <a:p>
+            <a:endParaRPr lang="de-DE" dirty="0"/>
+          </a:p>
+        </p:txBody>
+      </p:sp>
     </p:spTree>
     <p:extLst>
       <p:ext uri="{BB962C8B-B14F-4D97-AF65-F5344CB8AC3E}">
@@ -18593,7 +18922,7 @@
         </p:nvSpPr>
         <p:spPr>
           <a:xfrm>
-            <a:off x="940523" y="2149730"/>
+            <a:off x="679263" y="2149730"/>
             <a:ext cx="10162903" cy="4639891"/>
           </a:xfrm>
         </p:spPr>
@@ -18688,13 +19017,13 @@
           <p:nvPr>
             <p:extLst>
               <p:ext uri="{D42A27DB-BD31-4B8C-83A1-F6EECF244321}">
-                <p14:modId xmlns:p14="http://schemas.microsoft.com/office/powerpoint/2010/main" val="134801066"/>
+                <p14:modId xmlns:p14="http://schemas.microsoft.com/office/powerpoint/2010/main" val="1845701663"/>
               </p:ext>
             </p:extLst>
           </p:nvPr>
         </p:nvGraphicFramePr>
         <p:xfrm>
-          <a:off x="2076995" y="2873827"/>
+          <a:off x="1380338" y="2883652"/>
           <a:ext cx="7550333" cy="2158638"/>
         </p:xfrm>
         <a:graphic>
@@ -19362,6 +19691,153 @@
           </a:graphicData>
         </a:graphic>
       </p:graphicFrame>
+      <p:sp>
+        <p:nvSpPr>
+          <p:cNvPr id="7" name="Textfeld 6"/>
+          <p:cNvSpPr txBox="1"/>
+          <p:nvPr/>
+        </p:nvSpPr>
+        <p:spPr>
+          <a:xfrm>
+            <a:off x="8059782" y="1867989"/>
+            <a:ext cx="3814355" cy="1015663"/>
+          </a:xfrm>
+          <a:prstGeom prst="rect">
+            <a:avLst/>
+          </a:prstGeom>
+          <a:noFill/>
+        </p:spPr>
+        <p:txBody>
+          <a:bodyPr wrap="square" rtlCol="0">
+            <a:spAutoFit/>
+          </a:bodyPr>
+          <a:lstStyle/>
+          <a:p>
+            <a:pPr lvl="1"/>
+            <a:r>
+              <a:rPr lang="de-DE" sz="1400" dirty="0" smtClean="0">
+                <a:solidFill>
+                  <a:srgbClr val="C00000"/>
+                </a:solidFill>
+              </a:rPr>
+              <a:t>-  Nordlicht </a:t>
+            </a:r>
+            <a:r>
+              <a:rPr lang="de-DE" sz="1400" dirty="0">
+                <a:solidFill>
+                  <a:srgbClr val="C00000"/>
+                </a:solidFill>
+              </a:rPr>
+              <a:t>(nl): </a:t>
+            </a:r>
+            <a:r>
+              <a:rPr lang="de-DE" sz="1400" dirty="0" smtClean="0">
+                <a:solidFill>
+                  <a:srgbClr val="C00000"/>
+                </a:solidFill>
+              </a:rPr>
+              <a:t>  Astra </a:t>
+            </a:r>
+            <a:r>
+              <a:rPr lang="de-DE" sz="1400" dirty="0">
+                <a:solidFill>
+                  <a:srgbClr val="C00000"/>
+                </a:solidFill>
+              </a:rPr>
+              <a:t>&gt; Becks &gt; Carlsberg</a:t>
+            </a:r>
+          </a:p>
+          <a:p>
+            <a:pPr lvl="1"/>
+            <a:r>
+              <a:rPr lang="de-DE" sz="1400" dirty="0" smtClean="0">
+                <a:solidFill>
+                  <a:schemeClr val="accent5">
+                    <a:lumMod val="75000"/>
+                  </a:schemeClr>
+                </a:solidFill>
+              </a:rPr>
+              <a:t>-  Hanseat </a:t>
+            </a:r>
+            <a:r>
+              <a:rPr lang="de-DE" sz="1400" dirty="0">
+                <a:solidFill>
+                  <a:schemeClr val="accent5">
+                    <a:lumMod val="75000"/>
+                  </a:schemeClr>
+                </a:solidFill>
+              </a:rPr>
+              <a:t>(ha): </a:t>
+            </a:r>
+            <a:r>
+              <a:rPr lang="de-DE" sz="1400" dirty="0" smtClean="0">
+                <a:solidFill>
+                  <a:schemeClr val="accent5">
+                    <a:lumMod val="75000"/>
+                  </a:schemeClr>
+                </a:solidFill>
+              </a:rPr>
+              <a:t>   Becks </a:t>
+            </a:r>
+            <a:r>
+              <a:rPr lang="de-DE" sz="1400" dirty="0">
+                <a:solidFill>
+                  <a:schemeClr val="accent5">
+                    <a:lumMod val="75000"/>
+                  </a:schemeClr>
+                </a:solidFill>
+              </a:rPr>
+              <a:t>&gt; Astra &gt; Carlsberg</a:t>
+            </a:r>
+          </a:p>
+          <a:p>
+            <a:pPr lvl="1"/>
+            <a:r>
+              <a:rPr lang="de-DE" sz="1400" dirty="0" smtClean="0">
+                <a:solidFill>
+                  <a:schemeClr val="accent6">
+                    <a:lumMod val="75000"/>
+                  </a:schemeClr>
+                </a:solidFill>
+              </a:rPr>
+              <a:t>-  Wikinger </a:t>
+            </a:r>
+            <a:r>
+              <a:rPr lang="de-DE" sz="1400" dirty="0">
+                <a:solidFill>
+                  <a:schemeClr val="accent6">
+                    <a:lumMod val="75000"/>
+                  </a:schemeClr>
+                </a:solidFill>
+              </a:rPr>
+              <a:t>(wi) : </a:t>
+            </a:r>
+            <a:r>
+              <a:rPr lang="de-DE" sz="1400" dirty="0" smtClean="0">
+                <a:solidFill>
+                  <a:schemeClr val="accent6">
+                    <a:lumMod val="75000"/>
+                  </a:schemeClr>
+                </a:solidFill>
+              </a:rPr>
+              <a:t> Carlsberg </a:t>
+            </a:r>
+            <a:r>
+              <a:rPr lang="de-DE" sz="1400" dirty="0">
+                <a:solidFill>
+                  <a:schemeClr val="accent6">
+                    <a:lumMod val="75000"/>
+                  </a:schemeClr>
+                </a:solidFill>
+              </a:rPr>
+              <a:t>&gt; Becks &gt; Astra</a:t>
+            </a:r>
+          </a:p>
+          <a:p>
+            <a:endParaRPr lang="de-DE" dirty="0"/>
+          </a:p>
+        </p:txBody>
+      </p:sp>
     </p:spTree>
     <p:extLst>
       <p:ext uri="{BB962C8B-B14F-4D97-AF65-F5344CB8AC3E}">
